--- a/O'Driscoll_Caitlyn_Walcher_Matther_SmartFridge.pptx
+++ b/O'Driscoll_Caitlyn_Walcher_Matther_SmartFridge.pptx
@@ -3102,6 +3102,13 @@
   <p:clrMapOvr>
     <a:masterClrMapping/>
   </p:clrMapOvr>
+  <p:timing>
+    <p:tnLst>
+      <p:par>
+        <p:cTn id="1" dur="indefinite" restart="never" nodeType="tmRoot"/>
+      </p:par>
+    </p:tnLst>
+  </p:timing>
 </p:sld>
 </file>
 
@@ -3366,6 +3373,13 @@
   <p:clrMapOvr>
     <a:masterClrMapping/>
   </p:clrMapOvr>
+  <p:timing>
+    <p:tnLst>
+      <p:par>
+        <p:cTn id="1" dur="indefinite" restart="never" nodeType="tmRoot"/>
+      </p:par>
+    </p:tnLst>
+  </p:timing>
 </p:sld>
 </file>
 
@@ -3630,6 +3644,13 @@
   <p:clrMapOvr>
     <a:masterClrMapping/>
   </p:clrMapOvr>
+  <p:timing>
+    <p:tnLst>
+      <p:par>
+        <p:cTn id="1" dur="indefinite" restart="never" nodeType="tmRoot"/>
+      </p:par>
+    </p:tnLst>
+  </p:timing>
 </p:sld>
 </file>
 
@@ -3894,6 +3915,13 @@
   <p:clrMapOvr>
     <a:masterClrMapping/>
   </p:clrMapOvr>
+  <p:timing>
+    <p:tnLst>
+      <p:par>
+        <p:cTn id="1" dur="indefinite" restart="never" nodeType="tmRoot"/>
+      </p:par>
+    </p:tnLst>
+  </p:timing>
 </p:sld>
 </file>
 
@@ -4158,6 +4186,13 @@
   <p:clrMapOvr>
     <a:masterClrMapping/>
   </p:clrMapOvr>
+  <p:timing>
+    <p:tnLst>
+      <p:par>
+        <p:cTn id="1" dur="indefinite" restart="never" nodeType="tmRoot"/>
+      </p:par>
+    </p:tnLst>
+  </p:timing>
 </p:sld>
 </file>
 
@@ -4422,6 +4457,13 @@
   <p:clrMapOvr>
     <a:masterClrMapping/>
   </p:clrMapOvr>
+  <p:timing>
+    <p:tnLst>
+      <p:par>
+        <p:cTn id="1" dur="indefinite" restart="never" nodeType="tmRoot"/>
+      </p:par>
+    </p:tnLst>
+  </p:timing>
 </p:sld>
 </file>
 
@@ -4686,6 +4728,13 @@
   <p:clrMapOvr>
     <a:masterClrMapping/>
   </p:clrMapOvr>
+  <p:timing>
+    <p:tnLst>
+      <p:par>
+        <p:cTn id="1" dur="indefinite" restart="never" nodeType="tmRoot"/>
+      </p:par>
+    </p:tnLst>
+  </p:timing>
 </p:sld>
 </file>
 
@@ -4950,6 +4999,13 @@
   <p:clrMapOvr>
     <a:masterClrMapping/>
   </p:clrMapOvr>
+  <p:timing>
+    <p:tnLst>
+      <p:par>
+        <p:cTn id="1" dur="indefinite" restart="never" nodeType="tmRoot"/>
+      </p:par>
+    </p:tnLst>
+  </p:timing>
 </p:sld>
 </file>
 
@@ -5214,6 +5270,13 @@
   <p:clrMapOvr>
     <a:masterClrMapping/>
   </p:clrMapOvr>
+  <p:timing>
+    <p:tnLst>
+      <p:par>
+        <p:cTn id="1" dur="indefinite" restart="never" nodeType="tmRoot"/>
+      </p:par>
+    </p:tnLst>
+  </p:timing>
 </p:sld>
 </file>
 
@@ -5478,6 +5541,13 @@
   <p:clrMapOvr>
     <a:masterClrMapping/>
   </p:clrMapOvr>
+  <p:timing>
+    <p:tnLst>
+      <p:par>
+        <p:cTn id="1" dur="indefinite" restart="never" nodeType="tmRoot"/>
+      </p:par>
+    </p:tnLst>
+  </p:timing>
 </p:sld>
 </file>
 
